--- a/images/Cover picture.pptx
+++ b/images/Cover picture.pptx
@@ -5,10 +5,12 @@
     <p:sldMasterId id="2147483648" r:id="rId1"/>
   </p:sldMasterIdLst>
   <p:notesMasterIdLst>
-    <p:notesMasterId r:id="rId4"/>
+    <p:notesMasterId r:id="rId6"/>
   </p:notesMasterIdLst>
   <p:sldIdLst>
     <p:sldId id="256" r:id="rId3"/>
+    <p:sldId id="257" r:id="rId4"/>
+    <p:sldId id="259" r:id="rId5"/>
   </p:sldIdLst>
   <p:sldSz cx="12192000" cy="6858000"/>
   <p:notesSz cx="6858000" cy="9144000"/>
@@ -3318,6 +3320,394 @@
                 <a:latin typeface="Berlin Sans FB Demi" panose="020E0802020502020306" pitchFamily="34" charset="0"/>
               </a:rPr>
               <a:t>内网穿透</a:t>
+            </a:r>
+            <a:endParaRPr lang="zh-CN" altLang="en-US" sz="7200" dirty="0">
+              <a:solidFill>
+                <a:srgbClr val="FFFFD2"/>
+              </a:solidFill>
+              <a:latin typeface="Berlin Sans FB Demi" panose="020E0802020502020306" pitchFamily="34" charset="0"/>
+            </a:endParaRPr>
+          </a:p>
+        </p:txBody>
+      </p:sp>
+      <p:sp>
+        <p:nvSpPr>
+          <p:cNvPr id="13" name="斜纹 12"/>
+          <p:cNvSpPr/>
+          <p:nvPr/>
+        </p:nvSpPr>
+        <p:spPr>
+          <a:xfrm>
+            <a:off x="0" y="0"/>
+            <a:ext cx="6858000" cy="6858000"/>
+          </a:xfrm>
+          <a:prstGeom prst="diagStripe">
+            <a:avLst/>
+          </a:prstGeom>
+          <a:solidFill>
+            <a:srgbClr val="AA96DA"/>
+          </a:solidFill>
+          <a:ln>
+            <a:noFill/>
+          </a:ln>
+        </p:spPr>
+        <p:style>
+          <a:lnRef idx="2">
+            <a:schemeClr val="accent1">
+              <a:shade val="50000"/>
+            </a:schemeClr>
+          </a:lnRef>
+          <a:fillRef idx="1">
+            <a:schemeClr val="accent1"/>
+          </a:fillRef>
+          <a:effectRef idx="0">
+            <a:schemeClr val="accent1"/>
+          </a:effectRef>
+          <a:fontRef idx="minor">
+            <a:schemeClr val="lt1"/>
+          </a:fontRef>
+        </p:style>
+        <p:txBody>
+          <a:bodyPr rtlCol="0" anchor="ctr"/>
+          <a:lstStyle/>
+          <a:p>
+            <a:pPr algn="ctr"/>
+            <a:endParaRPr lang="zh-CN" altLang="en-US">
+              <a:solidFill>
+                <a:schemeClr val="tx1"/>
+              </a:solidFill>
+            </a:endParaRPr>
+          </a:p>
+        </p:txBody>
+      </p:sp>
+      <p:sp>
+        <p:nvSpPr>
+          <p:cNvPr id="14" name="斜纹 13"/>
+          <p:cNvSpPr/>
+          <p:nvPr/>
+        </p:nvSpPr>
+        <p:spPr>
+          <a:xfrm>
+            <a:off x="3529819" y="-18758"/>
+            <a:ext cx="3362179" cy="3362179"/>
+          </a:xfrm>
+          <a:prstGeom prst="diagStripe">
+            <a:avLst/>
+          </a:prstGeom>
+          <a:solidFill>
+            <a:srgbClr val="FCBAD3"/>
+          </a:solidFill>
+          <a:ln>
+            <a:noFill/>
+          </a:ln>
+        </p:spPr>
+        <p:style>
+          <a:lnRef idx="2">
+            <a:schemeClr val="accent1">
+              <a:shade val="50000"/>
+            </a:schemeClr>
+          </a:lnRef>
+          <a:fillRef idx="1">
+            <a:schemeClr val="accent1"/>
+          </a:fillRef>
+          <a:effectRef idx="0">
+            <a:schemeClr val="accent1"/>
+          </a:effectRef>
+          <a:fontRef idx="minor">
+            <a:schemeClr val="lt1"/>
+          </a:fontRef>
+        </p:style>
+        <p:txBody>
+          <a:bodyPr rtlCol="0" anchor="ctr"/>
+          <a:lstStyle/>
+          <a:p>
+            <a:pPr algn="ctr"/>
+            <a:endParaRPr lang="zh-CN" altLang="en-US">
+              <a:solidFill>
+                <a:schemeClr val="tx1"/>
+              </a:solidFill>
+            </a:endParaRPr>
+          </a:p>
+        </p:txBody>
+      </p:sp>
+    </p:spTree>
+  </p:cSld>
+  <p:clrMapOvr>
+    <a:masterClrMapping/>
+  </p:clrMapOvr>
+  <mc:AlternateContent xmlns:mc="http://schemas.openxmlformats.org/markup-compatibility/2006">
+    <mc:Choice xmlns:p14="http://schemas.microsoft.com/office/powerpoint/2010/main" Requires="p14">
+      <p:transition spd="slow" p14:dur="2000">
+        <p14:prism isContent="1"/>
+      </p:transition>
+    </mc:Choice>
+    <mc:Fallback>
+      <p:transition spd="slow">
+        <p:fade/>
+      </p:transition>
+    </mc:Fallback>
+  </mc:AlternateContent>
+</p:sld>
+</file>
+
+<file path=ppt/slides/slide2.xml><?xml version="1.0" encoding="utf-8"?>
+<p:sld xmlns:a="http://schemas.openxmlformats.org/drawingml/2006/main" xmlns:r="http://schemas.openxmlformats.org/officeDocument/2006/relationships" xmlns:p="http://schemas.openxmlformats.org/presentationml/2006/main">
+  <p:cSld>
+    <p:bg>
+      <p:bgPr>
+        <a:solidFill>
+          <a:schemeClr val="accent1"/>
+        </a:solidFill>
+        <a:effectLst/>
+      </p:bgPr>
+    </p:bg>
+    <p:spTree>
+      <p:nvGrpSpPr>
+        <p:cNvPr id="1" name=""/>
+        <p:cNvGrpSpPr/>
+        <p:nvPr/>
+      </p:nvGrpSpPr>
+      <p:grpSpPr>
+        <a:xfrm>
+          <a:off x="0" y="0"/>
+          <a:ext cx="0" cy="0"/>
+          <a:chOff x="0" y="0"/>
+          <a:chExt cx="0" cy="0"/>
+        </a:xfrm>
+      </p:grpSpPr>
+      <p:sp>
+        <p:nvSpPr>
+          <p:cNvPr id="11" name="文本框 10"/>
+          <p:cNvSpPr txBox="1"/>
+          <p:nvPr/>
+        </p:nvSpPr>
+        <p:spPr>
+          <a:xfrm>
+            <a:off x="3121660" y="3694430"/>
+            <a:ext cx="8712835" cy="1198880"/>
+          </a:xfrm>
+          <a:prstGeom prst="rect">
+            <a:avLst/>
+          </a:prstGeom>
+          <a:noFill/>
+        </p:spPr>
+        <p:txBody>
+          <a:bodyPr wrap="square" rtlCol="0">
+            <a:spAutoFit/>
+          </a:bodyPr>
+          <a:lstStyle/>
+          <a:p>
+            <a:r>
+              <a:rPr lang="en-US" sz="7200" dirty="0">
+                <a:solidFill>
+                  <a:srgbClr val="FFFFD2"/>
+                </a:solidFill>
+                <a:latin typeface="Berlin Sans FB Demi" panose="020E0802020502020306" pitchFamily="34" charset="0"/>
+              </a:rPr>
+              <a:t>Nginx + </a:t>
+            </a:r>
+            <a:r>
+              <a:rPr lang="en-US" altLang="zh-CN" sz="7200" dirty="0">
+                <a:solidFill>
+                  <a:srgbClr val="FFFFD2"/>
+                </a:solidFill>
+                <a:latin typeface="Berlin Sans FB Demi" panose="020E0802020502020306" pitchFamily="34" charset="0"/>
+              </a:rPr>
+              <a:t>FRP Web</a:t>
+            </a:r>
+            <a:endParaRPr lang="zh-CN" altLang="en-US" sz="5400" dirty="0">
+              <a:solidFill>
+                <a:srgbClr val="FFFFD2"/>
+              </a:solidFill>
+              <a:latin typeface="Berlin Sans FB Demi" panose="020E0802020502020306" pitchFamily="34" charset="0"/>
+            </a:endParaRPr>
+          </a:p>
+        </p:txBody>
+      </p:sp>
+      <p:sp>
+        <p:nvSpPr>
+          <p:cNvPr id="13" name="斜纹 12"/>
+          <p:cNvSpPr/>
+          <p:nvPr/>
+        </p:nvSpPr>
+        <p:spPr>
+          <a:xfrm>
+            <a:off x="0" y="0"/>
+            <a:ext cx="6858000" cy="6858000"/>
+          </a:xfrm>
+          <a:prstGeom prst="diagStripe">
+            <a:avLst/>
+          </a:prstGeom>
+          <a:solidFill>
+            <a:srgbClr val="AA96DA"/>
+          </a:solidFill>
+          <a:ln>
+            <a:noFill/>
+          </a:ln>
+        </p:spPr>
+        <p:style>
+          <a:lnRef idx="2">
+            <a:schemeClr val="accent1">
+              <a:shade val="50000"/>
+            </a:schemeClr>
+          </a:lnRef>
+          <a:fillRef idx="1">
+            <a:schemeClr val="accent1"/>
+          </a:fillRef>
+          <a:effectRef idx="0">
+            <a:schemeClr val="accent1"/>
+          </a:effectRef>
+          <a:fontRef idx="minor">
+            <a:schemeClr val="lt1"/>
+          </a:fontRef>
+        </p:style>
+        <p:txBody>
+          <a:bodyPr rtlCol="0" anchor="ctr"/>
+          <a:lstStyle/>
+          <a:p>
+            <a:pPr algn="ctr"/>
+            <a:endParaRPr lang="zh-CN" altLang="en-US">
+              <a:solidFill>
+                <a:schemeClr val="tx1"/>
+              </a:solidFill>
+            </a:endParaRPr>
+          </a:p>
+        </p:txBody>
+      </p:sp>
+      <p:sp>
+        <p:nvSpPr>
+          <p:cNvPr id="14" name="斜纹 13"/>
+          <p:cNvSpPr/>
+          <p:nvPr/>
+        </p:nvSpPr>
+        <p:spPr>
+          <a:xfrm>
+            <a:off x="3529819" y="-18758"/>
+            <a:ext cx="3362179" cy="3362179"/>
+          </a:xfrm>
+          <a:prstGeom prst="diagStripe">
+            <a:avLst/>
+          </a:prstGeom>
+          <a:solidFill>
+            <a:srgbClr val="FCBAD3"/>
+          </a:solidFill>
+          <a:ln>
+            <a:noFill/>
+          </a:ln>
+        </p:spPr>
+        <p:style>
+          <a:lnRef idx="2">
+            <a:schemeClr val="accent1">
+              <a:shade val="50000"/>
+            </a:schemeClr>
+          </a:lnRef>
+          <a:fillRef idx="1">
+            <a:schemeClr val="accent1"/>
+          </a:fillRef>
+          <a:effectRef idx="0">
+            <a:schemeClr val="accent1"/>
+          </a:effectRef>
+          <a:fontRef idx="minor">
+            <a:schemeClr val="lt1"/>
+          </a:fontRef>
+        </p:style>
+        <p:txBody>
+          <a:bodyPr rtlCol="0" anchor="ctr"/>
+          <a:lstStyle/>
+          <a:p>
+            <a:pPr algn="ctr"/>
+            <a:endParaRPr lang="zh-CN" altLang="en-US">
+              <a:solidFill>
+                <a:schemeClr val="tx1"/>
+              </a:solidFill>
+            </a:endParaRPr>
+          </a:p>
+        </p:txBody>
+      </p:sp>
+    </p:spTree>
+  </p:cSld>
+  <p:clrMapOvr>
+    <a:masterClrMapping/>
+  </p:clrMapOvr>
+  <mc:AlternateContent xmlns:mc="http://schemas.openxmlformats.org/markup-compatibility/2006">
+    <mc:Choice xmlns:p14="http://schemas.microsoft.com/office/powerpoint/2010/main" Requires="p14">
+      <p:transition spd="slow" p14:dur="2000">
+        <p14:prism isContent="1"/>
+      </p:transition>
+    </mc:Choice>
+    <mc:Fallback>
+      <p:transition spd="slow">
+        <p:fade/>
+      </p:transition>
+    </mc:Fallback>
+  </mc:AlternateContent>
+</p:sld>
+</file>
+
+<file path=ppt/slides/slide3.xml><?xml version="1.0" encoding="utf-8"?>
+<p:sld xmlns:a="http://schemas.openxmlformats.org/drawingml/2006/main" xmlns:r="http://schemas.openxmlformats.org/officeDocument/2006/relationships" xmlns:p="http://schemas.openxmlformats.org/presentationml/2006/main">
+  <p:cSld>
+    <p:bg>
+      <p:bgPr>
+        <a:solidFill>
+          <a:schemeClr val="accent1"/>
+        </a:solidFill>
+        <a:effectLst/>
+      </p:bgPr>
+    </p:bg>
+    <p:spTree>
+      <p:nvGrpSpPr>
+        <p:cNvPr id="1" name=""/>
+        <p:cNvGrpSpPr/>
+        <p:nvPr/>
+      </p:nvGrpSpPr>
+      <p:grpSpPr>
+        <a:xfrm>
+          <a:off x="0" y="0"/>
+          <a:ext cx="0" cy="0"/>
+          <a:chOff x="0" y="0"/>
+          <a:chExt cx="0" cy="0"/>
+        </a:xfrm>
+      </p:grpSpPr>
+      <p:sp>
+        <p:nvSpPr>
+          <p:cNvPr id="11" name="文本框 10"/>
+          <p:cNvSpPr txBox="1"/>
+          <p:nvPr/>
+        </p:nvSpPr>
+        <p:spPr>
+          <a:xfrm>
+            <a:off x="3121660" y="3694430"/>
+            <a:ext cx="8712835" cy="1198880"/>
+          </a:xfrm>
+          <a:prstGeom prst="rect">
+            <a:avLst/>
+          </a:prstGeom>
+          <a:noFill/>
+        </p:spPr>
+        <p:txBody>
+          <a:bodyPr wrap="square" rtlCol="0">
+            <a:spAutoFit/>
+          </a:bodyPr>
+          <a:lstStyle/>
+          <a:p>
+            <a:r>
+              <a:rPr lang="en-US" sz="7200" dirty="0">
+                <a:solidFill>
+                  <a:srgbClr val="FFFFD2"/>
+                </a:solidFill>
+                <a:latin typeface="Berlin Sans FB Demi" panose="020E0802020502020306" pitchFamily="34" charset="0"/>
+              </a:rPr>
+              <a:t>Docker </a:t>
+            </a:r>
+            <a:r>
+              <a:rPr lang="zh-CN" altLang="en-US" sz="7200" dirty="0">
+                <a:solidFill>
+                  <a:srgbClr val="FFFFD2"/>
+                </a:solidFill>
+                <a:latin typeface="Berlin Sans FB Demi" panose="020E0802020502020306" pitchFamily="34" charset="0"/>
+              </a:rPr>
+              <a:t>常用命令</a:t>
             </a:r>
             <a:endParaRPr lang="zh-CN" altLang="en-US" sz="7200" dirty="0">
               <a:solidFill>
